--- a/2024/Fall 2024/Aerodynamics/Recitation 1.pptx
+++ b/2024/Fall 2024/Aerodynamics/Recitation 1.pptx
@@ -105,6 +105,11 @@
       </a:defRPr>
     </a:lvl9pPr>
   </p:defaultTextStyle>
+  <p:extLst>
+    <p:ext uri="{EFAFB233-063F-42B5-8137-9DF3F51BA10A}">
+      <p15:sldGuideLst xmlns:p15="http://schemas.microsoft.com/office/powerpoint/2012/main"/>
+    </p:ext>
+  </p:extLst>
 </p:presentation>
 </file>
 
@@ -255,7 +260,7 @@
           <a:p>
             <a:fld id="{9D11F212-20E0-4CA3-BD28-B1703E73E0BC}" type="datetimeFigureOut">
               <a:rPr lang="en-US" smtClean="0"/>
-              <a:t>8/29/2024</a:t>
+              <a:t>9/3/2024</a:t>
             </a:fld>
             <a:endParaRPr lang="en-US"/>
           </a:p>
@@ -453,7 +458,7 @@
           <a:p>
             <a:fld id="{9D11F212-20E0-4CA3-BD28-B1703E73E0BC}" type="datetimeFigureOut">
               <a:rPr lang="en-US" smtClean="0"/>
-              <a:t>8/29/2024</a:t>
+              <a:t>9/3/2024</a:t>
             </a:fld>
             <a:endParaRPr lang="en-US"/>
           </a:p>
@@ -661,7 +666,7 @@
           <a:p>
             <a:fld id="{9D11F212-20E0-4CA3-BD28-B1703E73E0BC}" type="datetimeFigureOut">
               <a:rPr lang="en-US" smtClean="0"/>
-              <a:t>8/29/2024</a:t>
+              <a:t>9/3/2024</a:t>
             </a:fld>
             <a:endParaRPr lang="en-US"/>
           </a:p>
@@ -859,7 +864,7 @@
           <a:p>
             <a:fld id="{9D11F212-20E0-4CA3-BD28-B1703E73E0BC}" type="datetimeFigureOut">
               <a:rPr lang="en-US" smtClean="0"/>
-              <a:t>8/29/2024</a:t>
+              <a:t>9/3/2024</a:t>
             </a:fld>
             <a:endParaRPr lang="en-US"/>
           </a:p>
@@ -1134,7 +1139,7 @@
           <a:p>
             <a:fld id="{9D11F212-20E0-4CA3-BD28-B1703E73E0BC}" type="datetimeFigureOut">
               <a:rPr lang="en-US" smtClean="0"/>
-              <a:t>8/29/2024</a:t>
+              <a:t>9/3/2024</a:t>
             </a:fld>
             <a:endParaRPr lang="en-US"/>
           </a:p>
@@ -1399,7 +1404,7 @@
           <a:p>
             <a:fld id="{9D11F212-20E0-4CA3-BD28-B1703E73E0BC}" type="datetimeFigureOut">
               <a:rPr lang="en-US" smtClean="0"/>
-              <a:t>8/29/2024</a:t>
+              <a:t>9/3/2024</a:t>
             </a:fld>
             <a:endParaRPr lang="en-US"/>
           </a:p>
@@ -1811,7 +1816,7 @@
           <a:p>
             <a:fld id="{9D11F212-20E0-4CA3-BD28-B1703E73E0BC}" type="datetimeFigureOut">
               <a:rPr lang="en-US" smtClean="0"/>
-              <a:t>8/29/2024</a:t>
+              <a:t>9/3/2024</a:t>
             </a:fld>
             <a:endParaRPr lang="en-US"/>
           </a:p>
@@ -1952,7 +1957,7 @@
           <a:p>
             <a:fld id="{9D11F212-20E0-4CA3-BD28-B1703E73E0BC}" type="datetimeFigureOut">
               <a:rPr lang="en-US" smtClean="0"/>
-              <a:t>8/29/2024</a:t>
+              <a:t>9/3/2024</a:t>
             </a:fld>
             <a:endParaRPr lang="en-US"/>
           </a:p>
@@ -2065,7 +2070,7 @@
           <a:p>
             <a:fld id="{9D11F212-20E0-4CA3-BD28-B1703E73E0BC}" type="datetimeFigureOut">
               <a:rPr lang="en-US" smtClean="0"/>
-              <a:t>8/29/2024</a:t>
+              <a:t>9/3/2024</a:t>
             </a:fld>
             <a:endParaRPr lang="en-US"/>
           </a:p>
@@ -2376,7 +2381,7 @@
           <a:p>
             <a:fld id="{9D11F212-20E0-4CA3-BD28-B1703E73E0BC}" type="datetimeFigureOut">
               <a:rPr lang="en-US" smtClean="0"/>
-              <a:t>8/29/2024</a:t>
+              <a:t>9/3/2024</a:t>
             </a:fld>
             <a:endParaRPr lang="en-US"/>
           </a:p>
@@ -2664,7 +2669,7 @@
           <a:p>
             <a:fld id="{9D11F212-20E0-4CA3-BD28-B1703E73E0BC}" type="datetimeFigureOut">
               <a:rPr lang="en-US" smtClean="0"/>
-              <a:t>8/29/2024</a:t>
+              <a:t>9/3/2024</a:t>
             </a:fld>
             <a:endParaRPr lang="en-US"/>
           </a:p>
@@ -2905,7 +2910,7 @@
           <a:p>
             <a:fld id="{9D11F212-20E0-4CA3-BD28-B1703E73E0BC}" type="datetimeFigureOut">
               <a:rPr lang="en-US" smtClean="0"/>
-              <a:t>8/29/2024</a:t>
+              <a:t>9/3/2024</a:t>
             </a:fld>
             <a:endParaRPr lang="en-US"/>
           </a:p>
@@ -3466,7 +3471,7 @@
               <a:p>
                 <a:r>
                   <a:rPr lang="en-US" dirty="0"/>
-                  <a:t>A) To translate a velocity to an angular velocity, the velocity is divided by the radius of the circumference</a:t>
+                  <a:t>A) Take the curl using cylindrical coordinate because the curl is twice the circumferentially averaged angular velocity.</a:t>
                 </a:r>
               </a:p>
               <a:p>
@@ -3480,7 +3485,7 @@
                   <a:rPr lang="en-US" dirty="0">
                     <a:ea typeface="Cambria Math" panose="02040503050406030204" pitchFamily="18" charset="0"/>
                   </a:rPr>
-                  <a:t>C) </a:t>
+                  <a:t>C) use the equation </a:t>
                 </a:r>
                 <a14:m>
                   <m:oMath xmlns:m="http://schemas.openxmlformats.org/officeDocument/2006/math">
@@ -3535,6 +3540,14 @@
                     </m:f>
                   </m:oMath>
                 </a14:m>
+                <a:r>
+                  <a:rPr lang="en-US" dirty="0"/>
+                  <a:t> with the velocity </a:t>
+                </a:r>
+                <a:r>
+                  <a:rPr lang="en-US"/>
+                  <a:t>equation given.</a:t>
+                </a:r>
                 <a:endParaRPr lang="en-US" dirty="0"/>
               </a:p>
             </p:txBody>
